--- a/ppt/Scheduling Algorithms.pptx
+++ b/ppt/Scheduling Algorithms.pptx
@@ -21,7 +21,8 @@
     <p:sldId id="329" r:id="rId14"/>
     <p:sldId id="326" r:id="rId15"/>
     <p:sldId id="327" r:id="rId16"/>
-    <p:sldId id="276" r:id="rId17"/>
+    <p:sldId id="333" r:id="rId17"/>
+    <p:sldId id="276" r:id="rId18"/>
   </p:sldIdLst>
   <p:sldSz cx="9144000" cy="6858000" type="screen4x3"/>
   <p:notesSz cx="6858000" cy="9144000"/>
@@ -917,6 +918,61 @@
 </file>
 
 <file path=ppt/notesSlides/notesSlide8.xml><?xml version="1.0" encoding="utf-8"?>
+<p:notes xmlns:a="http://schemas.openxmlformats.org/drawingml/2006/main" xmlns:r="http://schemas.openxmlformats.org/officeDocument/2006/relationships" xmlns:p="http://schemas.openxmlformats.org/presentationml/2006/main">
+  <p:cSld>
+    <p:spTree>
+      <p:nvGrpSpPr>
+        <p:cNvPr id="1" name=""/>
+        <p:cNvGrpSpPr/>
+        <p:nvPr/>
+      </p:nvGrpSpPr>
+      <p:grpSpPr/>
+      <p:sp>
+        <p:nvSpPr>
+          <p:cNvPr id="2" name="幻灯片图像占位符 1"/>
+          <p:cNvSpPr/>
+          <p:nvPr>
+            <p:ph type="sldImg" idx="2"/>
+          </p:nvPr>
+        </p:nvSpPr>
+        <p:spPr/>
+      </p:sp>
+      <p:sp>
+        <p:nvSpPr>
+          <p:cNvPr id="3" name="文本占位符 2"/>
+          <p:cNvSpPr/>
+          <p:nvPr>
+            <p:ph type="body" idx="3"/>
+          </p:nvPr>
+        </p:nvSpPr>
+        <p:spPr/>
+        <p:txBody>
+          <a:bodyPr/>
+          <a:p>
+            <a:r>
+              <a:rPr lang="zh-CN" altLang="en-US"/>
+              <a:t>最大流问题：https://blog.csdn.net/qq_39557517/article/details/81945749</a:t>
+            </a:r>
+            <a:endParaRPr lang="zh-CN" altLang="en-US"/>
+          </a:p>
+          <a:p>
+            <a:r>
+              <a:rPr lang="zh-CN" altLang="en-US"/>
+              <a:t>https://blog.csdn.net/fengchaokobe/article/details/7584781</a:t>
+            </a:r>
+            <a:endParaRPr lang="zh-CN" altLang="en-US"/>
+          </a:p>
+        </p:txBody>
+      </p:sp>
+    </p:spTree>
+  </p:cSld>
+  <p:clrMapOvr>
+    <a:masterClrMapping/>
+  </p:clrMapOvr>
+</p:notes>
+</file>
+
+<file path=ppt/notesSlides/notesSlide9.xml><?xml version="1.0" encoding="utf-8"?>
 <p:notes xmlns:a="http://schemas.openxmlformats.org/drawingml/2006/main" xmlns:r="http://schemas.openxmlformats.org/officeDocument/2006/relationships" xmlns:p="http://schemas.openxmlformats.org/presentationml/2006/main">
   <p:cSld>
     <p:spTree>
@@ -4843,8 +4899,8 @@
         </p:nvSpPr>
         <p:spPr>
           <a:xfrm>
-            <a:off x="655955" y="1252220"/>
-            <a:ext cx="8160385" cy="3969385"/>
+            <a:off x="643890" y="1252220"/>
+            <a:ext cx="8160385" cy="5077460"/>
           </a:xfrm>
           <a:prstGeom prst="rect">
             <a:avLst/>
@@ -4881,12 +4937,42 @@
             <a:endParaRPr lang="en-US" altLang="zh-CN"/>
           </a:p>
           <a:p>
+            <a:r>
+              <a:rPr lang="zh-CN" altLang="en-US"/>
+              <a:t>最大流问题是一种特殊的运输问题，有一个供应点</a:t>
+            </a:r>
+            <a:r>
+              <a:rPr lang="en-US" altLang="zh-CN"/>
+              <a:t>s</a:t>
+            </a:r>
+            <a:r>
+              <a:rPr lang="zh-CN" altLang="en-US"/>
+              <a:t>个一个需求的</a:t>
+            </a:r>
+            <a:r>
+              <a:rPr lang="en-US" altLang="zh-CN"/>
+              <a:t>t.</a:t>
+            </a:r>
             <a:endParaRPr lang="en-US" altLang="zh-CN"/>
           </a:p>
           <a:p>
             <a:endParaRPr lang="en-US" altLang="zh-CN"/>
           </a:p>
           <a:p>
+            <a:r>
+              <a:rPr lang="zh-CN" altLang="en-US"/>
+              <a:t>解决算法：</a:t>
+            </a:r>
+            <a:endParaRPr lang="zh-CN" altLang="en-US"/>
+          </a:p>
+          <a:p>
+            <a:r>
+              <a:rPr lang="zh-CN" altLang="en-US"/>
+              <a:t>增广路径算法</a:t>
+            </a:r>
+            <a:endParaRPr lang="zh-CN" altLang="en-US"/>
+          </a:p>
+          <a:p>
             <a:endParaRPr lang="en-US" altLang="zh-CN"/>
           </a:p>
           <a:p>
@@ -4901,8 +4987,38 @@
           <a:p>
             <a:endParaRPr lang="en-US" altLang="zh-CN"/>
           </a:p>
-        </p:txBody>
-      </p:sp>
+          <a:p>
+            <a:endParaRPr lang="en-US" altLang="zh-CN"/>
+          </a:p>
+          <a:p>
+            <a:endParaRPr lang="en-US" altLang="zh-CN"/>
+          </a:p>
+        </p:txBody>
+      </p:sp>
+      <p:pic>
+        <p:nvPicPr>
+          <p:cNvPr id="3" name="图片 2"/>
+          <p:cNvPicPr>
+            <a:picLocks noChangeAspect="1"/>
+          </p:cNvPicPr>
+          <p:nvPr/>
+        </p:nvPicPr>
+        <p:blipFill>
+          <a:blip r:embed="rId1"/>
+          <a:stretch>
+            <a:fillRect/>
+          </a:stretch>
+        </p:blipFill>
+        <p:spPr>
+          <a:xfrm>
+            <a:off x="796290" y="1603375"/>
+            <a:ext cx="4180840" cy="1647825"/>
+          </a:xfrm>
+          <a:prstGeom prst="rect">
+            <a:avLst/>
+          </a:prstGeom>
+        </p:spPr>
+      </p:pic>
     </p:spTree>
   </p:cSld>
   <p:clrMapOvr>
@@ -4912,6 +5028,133 @@
 </file>
 
 <file path=ppt/slides/slide14.xml><?xml version="1.0" encoding="utf-8"?>
+<p:sld xmlns:a="http://schemas.openxmlformats.org/drawingml/2006/main" xmlns:r="http://schemas.openxmlformats.org/officeDocument/2006/relationships" xmlns:p="http://schemas.openxmlformats.org/presentationml/2006/main">
+  <p:cSld>
+    <p:spTree>
+      <p:nvGrpSpPr>
+        <p:cNvPr id="1" name=""/>
+        <p:cNvGrpSpPr/>
+        <p:nvPr/>
+      </p:nvGrpSpPr>
+      <p:grpSpPr>
+        <a:xfrm>
+          <a:off x="0" y="0"/>
+          <a:ext cx="0" cy="0"/>
+          <a:chOff x="0" y="0"/>
+          <a:chExt cx="0" cy="0"/>
+        </a:xfrm>
+      </p:grpSpPr>
+      <p:sp>
+        <p:nvSpPr>
+          <p:cNvPr id="6" name="文本框 5"/>
+          <p:cNvSpPr txBox="1"/>
+          <p:nvPr/>
+        </p:nvSpPr>
+        <p:spPr>
+          <a:xfrm>
+            <a:off x="534670" y="698500"/>
+            <a:ext cx="2125345" cy="368300"/>
+          </a:xfrm>
+          <a:prstGeom prst="rect">
+            <a:avLst/>
+          </a:prstGeom>
+          <a:noFill/>
+        </p:spPr>
+        <p:txBody>
+          <a:bodyPr wrap="square" rtlCol="0">
+            <a:spAutoFit/>
+          </a:bodyPr>
+          <a:p>
+            <a:r>
+              <a:rPr lang="en-US" altLang="zh-CN"/>
+              <a:t>Chapter2</a:t>
+            </a:r>
+            <a:endParaRPr lang="en-US" altLang="zh-CN"/>
+          </a:p>
+        </p:txBody>
+      </p:sp>
+      <p:sp>
+        <p:nvSpPr>
+          <p:cNvPr id="2" name="文本框 1"/>
+          <p:cNvSpPr txBox="1"/>
+          <p:nvPr/>
+        </p:nvSpPr>
+        <p:spPr>
+          <a:xfrm>
+            <a:off x="643890" y="1252220"/>
+            <a:ext cx="8160385" cy="3692525"/>
+          </a:xfrm>
+          <a:prstGeom prst="rect">
+            <a:avLst/>
+          </a:prstGeom>
+          <a:noFill/>
+        </p:spPr>
+        <p:txBody>
+          <a:bodyPr wrap="square" rtlCol="0">
+            <a:spAutoFit/>
+          </a:bodyPr>
+          <a:p>
+            <a:r>
+              <a:rPr lang="en-US" altLang="zh-CN"/>
+              <a:t>Bipartite Matching Problems(</a:t>
+            </a:r>
+            <a:r>
+              <a:rPr lang="zh-CN" altLang="en-US"/>
+              <a:t>二分匹配问题</a:t>
+            </a:r>
+            <a:r>
+              <a:rPr lang="en-US" altLang="zh-CN"/>
+              <a:t>)</a:t>
+            </a:r>
+            <a:endParaRPr lang="en-US" altLang="zh-CN"/>
+          </a:p>
+          <a:p>
+            <a:endParaRPr lang="en-US" altLang="zh-CN"/>
+          </a:p>
+          <a:p>
+            <a:endParaRPr lang="en-US" altLang="zh-CN"/>
+          </a:p>
+          <a:p>
+            <a:endParaRPr lang="en-US" altLang="zh-CN"/>
+          </a:p>
+          <a:p>
+            <a:endParaRPr lang="en-US" altLang="zh-CN"/>
+          </a:p>
+          <a:p>
+            <a:endParaRPr lang="en-US" altLang="zh-CN"/>
+          </a:p>
+          <a:p>
+            <a:endParaRPr lang="en-US" altLang="zh-CN"/>
+          </a:p>
+          <a:p>
+            <a:endParaRPr lang="en-US" altLang="zh-CN"/>
+          </a:p>
+          <a:p>
+            <a:endParaRPr lang="en-US" altLang="zh-CN"/>
+          </a:p>
+          <a:p>
+            <a:endParaRPr lang="en-US" altLang="zh-CN"/>
+          </a:p>
+          <a:p>
+            <a:endParaRPr lang="en-US" altLang="zh-CN"/>
+          </a:p>
+          <a:p>
+            <a:endParaRPr lang="en-US" altLang="zh-CN"/>
+          </a:p>
+          <a:p>
+            <a:endParaRPr lang="en-US" altLang="zh-CN"/>
+          </a:p>
+        </p:txBody>
+      </p:sp>
+    </p:spTree>
+  </p:cSld>
+  <p:clrMapOvr>
+    <a:masterClrMapping/>
+  </p:clrMapOvr>
+</p:sld>
+</file>
+
+<file path=ppt/slides/slide15.xml><?xml version="1.0" encoding="utf-8"?>
 <p:sld xmlns:a="http://schemas.openxmlformats.org/drawingml/2006/main" xmlns:r="http://schemas.openxmlformats.org/officeDocument/2006/relationships" xmlns:p="http://schemas.openxmlformats.org/presentationml/2006/main">
   <p:cSld>
     <p:spTree>

--- a/ppt/Scheduling Algorithms.pptx
+++ b/ppt/Scheduling Algorithms.pptx
@@ -22,7 +22,8 @@
     <p:sldId id="326" r:id="rId15"/>
     <p:sldId id="327" r:id="rId16"/>
     <p:sldId id="333" r:id="rId17"/>
-    <p:sldId id="276" r:id="rId18"/>
+    <p:sldId id="335" r:id="rId18"/>
+    <p:sldId id="276" r:id="rId19"/>
   </p:sldIdLst>
   <p:sldSz cx="9144000" cy="6858000" type="screen4x3"/>
   <p:notesSz cx="6858000" cy="9144000"/>
@@ -586,6 +587,54 @@
             </a:endParaRPr>
           </a:p>
           <a:p>
+            <a:endParaRPr lang="zh-CN" altLang="en-US"/>
+          </a:p>
+        </p:txBody>
+      </p:sp>
+    </p:spTree>
+  </p:cSld>
+  <p:clrMapOvr>
+    <a:masterClrMapping/>
+  </p:clrMapOvr>
+</p:notes>
+</file>
+
+<file path=ppt/notesSlides/notesSlide10.xml><?xml version="1.0" encoding="utf-8"?>
+<p:notes xmlns:a="http://schemas.openxmlformats.org/drawingml/2006/main" xmlns:r="http://schemas.openxmlformats.org/officeDocument/2006/relationships" xmlns:p="http://schemas.openxmlformats.org/presentationml/2006/main">
+  <p:cSld>
+    <p:spTree>
+      <p:nvGrpSpPr>
+        <p:cNvPr id="1" name=""/>
+        <p:cNvGrpSpPr/>
+        <p:nvPr/>
+      </p:nvGrpSpPr>
+      <p:grpSpPr/>
+      <p:sp>
+        <p:nvSpPr>
+          <p:cNvPr id="2" name="幻灯片图像占位符 1"/>
+          <p:cNvSpPr/>
+          <p:nvPr>
+            <p:ph type="sldImg" idx="2"/>
+          </p:nvPr>
+        </p:nvSpPr>
+        <p:spPr/>
+      </p:sp>
+      <p:sp>
+        <p:nvSpPr>
+          <p:cNvPr id="3" name="文本占位符 2"/>
+          <p:cNvSpPr/>
+          <p:nvPr>
+            <p:ph type="body" idx="3"/>
+          </p:nvPr>
+        </p:nvSpPr>
+        <p:spPr/>
+        <p:txBody>
+          <a:bodyPr/>
+          <a:p>
+            <a:r>
+              <a:rPr lang="zh-CN" altLang="en-US"/>
+              <a:t>最大流问题：</a:t>
+            </a:r>
             <a:endParaRPr lang="zh-CN" altLang="en-US"/>
           </a:p>
         </p:txBody>
@@ -5155,6 +5204,132 @@
 </file>
 
 <file path=ppt/slides/slide15.xml><?xml version="1.0" encoding="utf-8"?>
+<p:sld xmlns:a="http://schemas.openxmlformats.org/drawingml/2006/main" xmlns:r="http://schemas.openxmlformats.org/officeDocument/2006/relationships" xmlns:p="http://schemas.openxmlformats.org/presentationml/2006/main">
+  <p:cSld>
+    <p:spTree>
+      <p:nvGrpSpPr>
+        <p:cNvPr id="1" name=""/>
+        <p:cNvGrpSpPr/>
+        <p:nvPr/>
+      </p:nvGrpSpPr>
+      <p:grpSpPr>
+        <a:xfrm>
+          <a:off x="0" y="0"/>
+          <a:ext cx="0" cy="0"/>
+          <a:chOff x="0" y="0"/>
+          <a:chExt cx="0" cy="0"/>
+        </a:xfrm>
+      </p:grpSpPr>
+      <p:sp>
+        <p:nvSpPr>
+          <p:cNvPr id="6" name="文本框 5"/>
+          <p:cNvSpPr txBox="1"/>
+          <p:nvPr/>
+        </p:nvSpPr>
+        <p:spPr>
+          <a:xfrm>
+            <a:off x="534670" y="698500"/>
+            <a:ext cx="2125345" cy="368300"/>
+          </a:xfrm>
+          <a:prstGeom prst="rect">
+            <a:avLst/>
+          </a:prstGeom>
+          <a:noFill/>
+        </p:spPr>
+        <p:txBody>
+          <a:bodyPr wrap="square" rtlCol="0">
+            <a:spAutoFit/>
+          </a:bodyPr>
+          <a:p>
+            <a:r>
+              <a:rPr lang="en-US" altLang="zh-CN"/>
+              <a:t>Chapter2</a:t>
+            </a:r>
+            <a:endParaRPr lang="en-US" altLang="zh-CN"/>
+          </a:p>
+        </p:txBody>
+      </p:sp>
+      <p:sp>
+        <p:nvSpPr>
+          <p:cNvPr id="2" name="文本框 1"/>
+          <p:cNvSpPr txBox="1"/>
+          <p:nvPr/>
+        </p:nvSpPr>
+        <p:spPr>
+          <a:xfrm>
+            <a:off x="643890" y="1252220"/>
+            <a:ext cx="8160385" cy="3969385"/>
+          </a:xfrm>
+          <a:prstGeom prst="rect">
+            <a:avLst/>
+          </a:prstGeom>
+          <a:noFill/>
+        </p:spPr>
+        <p:txBody>
+          <a:bodyPr wrap="square" rtlCol="0">
+            <a:spAutoFit/>
+          </a:bodyPr>
+          <a:p>
+            <a:r>
+              <a:rPr lang="zh-CN"/>
+              <a:t>利用上述理论解决开放车间问题</a:t>
+            </a:r>
+            <a:endParaRPr lang="zh-CN"/>
+          </a:p>
+          <a:p>
+            <a:r>
+              <a:rPr lang="zh-CN"/>
+              <a:t>有优先级的开放车间问题定义：</a:t>
+            </a:r>
+            <a:endParaRPr lang="zh-CN"/>
+          </a:p>
+          <a:p>
+            <a:endParaRPr lang="en-US" altLang="zh-CN"/>
+          </a:p>
+          <a:p>
+            <a:endParaRPr lang="en-US" altLang="zh-CN"/>
+          </a:p>
+          <a:p>
+            <a:endParaRPr lang="en-US" altLang="zh-CN"/>
+          </a:p>
+          <a:p>
+            <a:endParaRPr lang="en-US" altLang="zh-CN"/>
+          </a:p>
+          <a:p>
+            <a:endParaRPr lang="en-US" altLang="zh-CN"/>
+          </a:p>
+          <a:p>
+            <a:endParaRPr lang="en-US" altLang="zh-CN"/>
+          </a:p>
+          <a:p>
+            <a:endParaRPr lang="en-US" altLang="zh-CN"/>
+          </a:p>
+          <a:p>
+            <a:endParaRPr lang="en-US" altLang="zh-CN"/>
+          </a:p>
+          <a:p>
+            <a:endParaRPr lang="en-US" altLang="zh-CN"/>
+          </a:p>
+          <a:p>
+            <a:endParaRPr lang="en-US" altLang="zh-CN"/>
+          </a:p>
+          <a:p>
+            <a:endParaRPr lang="en-US" altLang="zh-CN"/>
+          </a:p>
+          <a:p>
+            <a:endParaRPr lang="en-US" altLang="zh-CN"/>
+          </a:p>
+        </p:txBody>
+      </p:sp>
+    </p:spTree>
+  </p:cSld>
+  <p:clrMapOvr>
+    <a:masterClrMapping/>
+  </p:clrMapOvr>
+</p:sld>
+</file>
+
+<file path=ppt/slides/slide16.xml><?xml version="1.0" encoding="utf-8"?>
 <p:sld xmlns:a="http://schemas.openxmlformats.org/drawingml/2006/main" xmlns:r="http://schemas.openxmlformats.org/officeDocument/2006/relationships" xmlns:p="http://schemas.openxmlformats.org/presentationml/2006/main">
   <p:cSld>
     <p:spTree>

--- a/ppt/Scheduling Algorithms.pptx
+++ b/ppt/Scheduling Algorithms.pptx
@@ -23,7 +23,9 @@
     <p:sldId id="327" r:id="rId16"/>
     <p:sldId id="333" r:id="rId17"/>
     <p:sldId id="335" r:id="rId18"/>
-    <p:sldId id="276" r:id="rId19"/>
+    <p:sldId id="336" r:id="rId19"/>
+    <p:sldId id="337" r:id="rId20"/>
+    <p:sldId id="276" r:id="rId21"/>
   </p:sldIdLst>
   <p:sldSz cx="9144000" cy="6858000" type="screen4x3"/>
   <p:notesSz cx="6858000" cy="9144000"/>
@@ -631,10 +633,94 @@
         <p:txBody>
           <a:bodyPr/>
           <a:p>
-            <a:r>
-              <a:rPr lang="zh-CN" altLang="en-US"/>
-              <a:t>最大流问题：</a:t>
-            </a:r>
+            <a:endParaRPr lang="zh-CN" altLang="en-US"/>
+          </a:p>
+        </p:txBody>
+      </p:sp>
+    </p:spTree>
+  </p:cSld>
+  <p:clrMapOvr>
+    <a:masterClrMapping/>
+  </p:clrMapOvr>
+</p:notes>
+</file>
+
+<file path=ppt/notesSlides/notesSlide11.xml><?xml version="1.0" encoding="utf-8"?>
+<p:notes xmlns:a="http://schemas.openxmlformats.org/drawingml/2006/main" xmlns:r="http://schemas.openxmlformats.org/officeDocument/2006/relationships" xmlns:p="http://schemas.openxmlformats.org/presentationml/2006/main">
+  <p:cSld>
+    <p:spTree>
+      <p:nvGrpSpPr>
+        <p:cNvPr id="1" name=""/>
+        <p:cNvGrpSpPr/>
+        <p:nvPr/>
+      </p:nvGrpSpPr>
+      <p:grpSpPr/>
+      <p:sp>
+        <p:nvSpPr>
+          <p:cNvPr id="2" name="幻灯片图像占位符 1"/>
+          <p:cNvSpPr/>
+          <p:nvPr>
+            <p:ph type="sldImg" idx="2"/>
+          </p:nvPr>
+        </p:nvSpPr>
+        <p:spPr/>
+      </p:sp>
+      <p:sp>
+        <p:nvSpPr>
+          <p:cNvPr id="3" name="文本占位符 2"/>
+          <p:cNvSpPr/>
+          <p:nvPr>
+            <p:ph type="body" idx="3"/>
+          </p:nvPr>
+        </p:nvSpPr>
+        <p:spPr/>
+        <p:txBody>
+          <a:bodyPr/>
+          <a:p>
+            <a:endParaRPr lang="zh-CN" altLang="en-US"/>
+          </a:p>
+        </p:txBody>
+      </p:sp>
+    </p:spTree>
+  </p:cSld>
+  <p:clrMapOvr>
+    <a:masterClrMapping/>
+  </p:clrMapOvr>
+</p:notes>
+</file>
+
+<file path=ppt/notesSlides/notesSlide12.xml><?xml version="1.0" encoding="utf-8"?>
+<p:notes xmlns:a="http://schemas.openxmlformats.org/drawingml/2006/main" xmlns:r="http://schemas.openxmlformats.org/officeDocument/2006/relationships" xmlns:p="http://schemas.openxmlformats.org/presentationml/2006/main">
+  <p:cSld>
+    <p:spTree>
+      <p:nvGrpSpPr>
+        <p:cNvPr id="1" name=""/>
+        <p:cNvGrpSpPr/>
+        <p:nvPr/>
+      </p:nvGrpSpPr>
+      <p:grpSpPr/>
+      <p:sp>
+        <p:nvSpPr>
+          <p:cNvPr id="2" name="幻灯片图像占位符 1"/>
+          <p:cNvSpPr/>
+          <p:nvPr>
+            <p:ph type="sldImg" idx="2"/>
+          </p:nvPr>
+        </p:nvSpPr>
+        <p:spPr/>
+      </p:sp>
+      <p:sp>
+        <p:nvSpPr>
+          <p:cNvPr id="3" name="文本占位符 2"/>
+          <p:cNvSpPr/>
+          <p:nvPr>
+            <p:ph type="body" idx="3"/>
+          </p:nvPr>
+        </p:nvSpPr>
+        <p:spPr/>
+        <p:txBody>
+          <a:bodyPr/>
+          <a:p>
             <a:endParaRPr lang="zh-CN" altLang="en-US"/>
           </a:p>
         </p:txBody>
@@ -5258,7 +5344,7 @@
         <p:spPr>
           <a:xfrm>
             <a:off x="643890" y="1252220"/>
-            <a:ext cx="8160385" cy="3969385"/>
+            <a:ext cx="8160385" cy="5354320"/>
           </a:xfrm>
           <a:prstGeom prst="rect">
             <a:avLst/>
@@ -5284,43 +5370,248 @@
             <a:endParaRPr lang="zh-CN"/>
           </a:p>
           <a:p>
-            <a:endParaRPr lang="en-US" altLang="zh-CN"/>
-          </a:p>
-          <a:p>
-            <a:endParaRPr lang="en-US" altLang="zh-CN"/>
-          </a:p>
-          <a:p>
-            <a:endParaRPr lang="en-US" altLang="zh-CN"/>
-          </a:p>
-          <a:p>
-            <a:endParaRPr lang="en-US" altLang="zh-CN"/>
-          </a:p>
-          <a:p>
-            <a:endParaRPr lang="en-US" altLang="zh-CN"/>
-          </a:p>
-          <a:p>
-            <a:endParaRPr lang="en-US" altLang="zh-CN"/>
-          </a:p>
-          <a:p>
-            <a:endParaRPr lang="en-US" altLang="zh-CN"/>
-          </a:p>
-          <a:p>
-            <a:endParaRPr lang="en-US" altLang="zh-CN"/>
-          </a:p>
-          <a:p>
-            <a:endParaRPr lang="en-US" altLang="zh-CN"/>
-          </a:p>
-          <a:p>
-            <a:endParaRPr lang="en-US" altLang="zh-CN"/>
-          </a:p>
-          <a:p>
-            <a:endParaRPr lang="en-US" altLang="zh-CN"/>
-          </a:p>
-          <a:p>
-            <a:endParaRPr lang="en-US" altLang="zh-CN"/>
-          </a:p>
-        </p:txBody>
-      </p:sp>
+            <a:r>
+              <a:rPr lang="en-US" altLang="zh-CN"/>
+              <a:t>n</a:t>
+            </a:r>
+            <a:r>
+              <a:rPr lang="zh-CN" altLang="en-US"/>
+              <a:t>个工序</a:t>
+            </a:r>
+            <a:r>
+              <a:rPr lang="en-US" altLang="zh-CN"/>
+              <a:t>J1....Jn</a:t>
+            </a:r>
+            <a:r>
+              <a:rPr lang="zh-CN" altLang="en-US"/>
+              <a:t>要在</a:t>
+            </a:r>
+            <a:r>
+              <a:rPr lang="en-US" altLang="zh-CN"/>
+              <a:t>m</a:t>
+            </a:r>
+            <a:r>
+              <a:rPr lang="zh-CN" altLang="en-US"/>
+              <a:t>台机器</a:t>
+            </a:r>
+            <a:r>
+              <a:rPr lang="en-US" altLang="zh-CN"/>
+              <a:t>M1....Mm</a:t>
+            </a:r>
+            <a:r>
+              <a:rPr lang="zh-CN" altLang="en-US"/>
+              <a:t>上处理</a:t>
+            </a:r>
+            <a:r>
+              <a:rPr lang="en-US" altLang="zh-CN"/>
+              <a:t>,</a:t>
+            </a:r>
+            <a:r>
+              <a:rPr lang="zh-CN" altLang="en-US"/>
+              <a:t>每个工序有</a:t>
+            </a:r>
+            <a:r>
+              <a:rPr lang="en-US" altLang="zh-CN"/>
+              <a:t>m</a:t>
+            </a:r>
+            <a:r>
+              <a:rPr lang="zh-CN" altLang="en-US"/>
+              <a:t>个操作，记为</a:t>
+            </a:r>
+            <a:r>
+              <a:rPr lang="en-US" altLang="zh-CN"/>
+              <a:t>Oij(j=1...m),</a:t>
+            </a:r>
+            <a:r>
+              <a:rPr lang="zh-CN" altLang="en-US"/>
+              <a:t>其中</a:t>
+            </a:r>
+            <a:r>
+              <a:rPr lang="en-US" altLang="zh-CN"/>
+              <a:t>Oij</a:t>
+            </a:r>
+            <a:r>
+              <a:rPr lang="zh-CN" altLang="en-US"/>
+              <a:t>是指操作工序</a:t>
+            </a:r>
+            <a:r>
+              <a:rPr lang="en-US" altLang="zh-CN"/>
+              <a:t>i</a:t>
+            </a:r>
+            <a:r>
+              <a:rPr lang="zh-CN" altLang="en-US"/>
+              <a:t>的操作时间段</a:t>
+            </a:r>
+            <a:r>
+              <a:rPr lang="en-US" altLang="zh-CN"/>
+              <a:t>pij</a:t>
+            </a:r>
+            <a:r>
+              <a:rPr lang="zh-CN" altLang="en-US"/>
+              <a:t>必须在机器</a:t>
+            </a:r>
+            <a:r>
+              <a:rPr lang="en-US" altLang="zh-CN"/>
+              <a:t>Mj</a:t>
+            </a:r>
+            <a:r>
+              <a:rPr lang="zh-CN" altLang="en-US"/>
+              <a:t>上完成。</a:t>
+            </a:r>
+            <a:endParaRPr lang="zh-CN" altLang="en-US"/>
+          </a:p>
+          <a:p>
+            <a:r>
+              <a:rPr lang="zh-CN" altLang="en-US"/>
+              <a:t>约束条件：一个机器不能同时处理两个工序，一个工序不同同时在两台机器上处理。</a:t>
+            </a:r>
+            <a:endParaRPr lang="en-US" altLang="zh-CN"/>
+          </a:p>
+          <a:p>
+            <a:endParaRPr lang="en-US" altLang="zh-CN"/>
+          </a:p>
+          <a:p>
+            <a:r>
+              <a:rPr lang="zh-CN" altLang="en-US"/>
+              <a:t>最小化完工时间的调度问题可以定义为：</a:t>
+            </a:r>
+            <a:endParaRPr lang="zh-CN" altLang="en-US"/>
+          </a:p>
+          <a:p>
+            <a:endParaRPr lang="en-US" altLang="zh-CN"/>
+          </a:p>
+          <a:p>
+            <a:endParaRPr lang="en-US" altLang="zh-CN"/>
+          </a:p>
+          <a:p>
+            <a:endParaRPr lang="en-US" altLang="zh-CN"/>
+          </a:p>
+          <a:p>
+            <a:endParaRPr lang="en-US" altLang="zh-CN"/>
+          </a:p>
+          <a:p>
+            <a:r>
+              <a:rPr lang="en-US" altLang="zh-CN"/>
+              <a:t>Tj</a:t>
+            </a:r>
+            <a:r>
+              <a:rPr lang="zh-CN" altLang="en-US"/>
+              <a:t>：机器</a:t>
+            </a:r>
+            <a:r>
+              <a:rPr lang="en-US" altLang="zh-CN"/>
+              <a:t>Mj</a:t>
+            </a:r>
+            <a:r>
+              <a:rPr lang="zh-CN" altLang="en-US"/>
+              <a:t>所需要的总的时间</a:t>
+            </a:r>
+            <a:endParaRPr lang="zh-CN" altLang="en-US"/>
+          </a:p>
+          <a:p>
+            <a:r>
+              <a:rPr lang="en-US" altLang="zh-CN"/>
+              <a:t>Li</a:t>
+            </a:r>
+            <a:r>
+              <a:rPr lang="zh-CN" altLang="en-US"/>
+              <a:t>：工序</a:t>
+            </a:r>
+            <a:r>
+              <a:rPr lang="en-US" altLang="zh-CN"/>
+              <a:t>Ji</a:t>
+            </a:r>
+            <a:r>
+              <a:rPr lang="zh-CN" altLang="en-US"/>
+              <a:t>的</a:t>
+            </a:r>
+            <a:r>
+              <a:rPr lang="zh-CN"/>
+              <a:t>长度</a:t>
+            </a:r>
+            <a:endParaRPr lang="en-US" altLang="zh-CN"/>
+          </a:p>
+          <a:p>
+            <a:endParaRPr lang="en-US" altLang="zh-CN"/>
+          </a:p>
+          <a:p>
+            <a:endParaRPr lang="en-US" altLang="zh-CN"/>
+          </a:p>
+          <a:p>
+            <a:endParaRPr lang="en-US" altLang="zh-CN"/>
+          </a:p>
+          <a:p>
+            <a:r>
+              <a:rPr lang="en-US" altLang="zh-CN"/>
+              <a:t>T</a:t>
+            </a:r>
+            <a:r>
+              <a:rPr lang="zh-CN" altLang="en-US"/>
+              <a:t>是</a:t>
+            </a:r>
+            <a:r>
+              <a:rPr lang="en-US" altLang="zh-CN"/>
+              <a:t>Cmax</a:t>
+            </a:r>
+            <a:r>
+              <a:rPr lang="zh-CN" altLang="en-US"/>
+              <a:t>值的下界，如果调度能达到这个值，那么这个调度就是最优的。</a:t>
+            </a:r>
+            <a:endParaRPr lang="en-US" altLang="zh-CN"/>
+          </a:p>
+          <a:p>
+            <a:endParaRPr lang="en-US" altLang="zh-CN"/>
+          </a:p>
+        </p:txBody>
+      </p:sp>
+      <p:pic>
+        <p:nvPicPr>
+          <p:cNvPr id="3" name="图片 2"/>
+          <p:cNvPicPr>
+            <a:picLocks noChangeAspect="1"/>
+          </p:cNvPicPr>
+          <p:nvPr/>
+        </p:nvPicPr>
+        <p:blipFill>
+          <a:blip r:embed="rId1"/>
+          <a:stretch>
+            <a:fillRect/>
+          </a:stretch>
+        </p:blipFill>
+        <p:spPr>
+          <a:xfrm>
+            <a:off x="1550035" y="3608070"/>
+            <a:ext cx="2686050" cy="733425"/>
+          </a:xfrm>
+          <a:prstGeom prst="rect">
+            <a:avLst/>
+          </a:prstGeom>
+        </p:spPr>
+      </p:pic>
+      <p:pic>
+        <p:nvPicPr>
+          <p:cNvPr id="4" name="图片 3"/>
+          <p:cNvPicPr>
+            <a:picLocks noChangeAspect="1"/>
+          </p:cNvPicPr>
+          <p:nvPr/>
+        </p:nvPicPr>
+        <p:blipFill>
+          <a:blip r:embed="rId2"/>
+          <a:stretch>
+            <a:fillRect/>
+          </a:stretch>
+        </p:blipFill>
+        <p:spPr>
+          <a:xfrm>
+            <a:off x="534670" y="5307965"/>
+            <a:ext cx="2447925" cy="581025"/>
+          </a:xfrm>
+          <a:prstGeom prst="rect">
+            <a:avLst/>
+          </a:prstGeom>
+        </p:spPr>
+      </p:pic>
     </p:spTree>
   </p:cSld>
   <p:clrMapOvr>
@@ -5330,6 +5621,850 @@
 </file>
 
 <file path=ppt/slides/slide16.xml><?xml version="1.0" encoding="utf-8"?>
+<p:sld xmlns:a="http://schemas.openxmlformats.org/drawingml/2006/main" xmlns:r="http://schemas.openxmlformats.org/officeDocument/2006/relationships" xmlns:p="http://schemas.openxmlformats.org/presentationml/2006/main">
+  <p:cSld>
+    <p:spTree>
+      <p:nvGrpSpPr>
+        <p:cNvPr id="1" name=""/>
+        <p:cNvGrpSpPr/>
+        <p:nvPr/>
+      </p:nvGrpSpPr>
+      <p:grpSpPr>
+        <a:xfrm>
+          <a:off x="0" y="0"/>
+          <a:ext cx="0" cy="0"/>
+          <a:chOff x="0" y="0"/>
+          <a:chExt cx="0" cy="0"/>
+        </a:xfrm>
+      </p:grpSpPr>
+      <p:sp>
+        <p:nvSpPr>
+          <p:cNvPr id="6" name="文本框 5"/>
+          <p:cNvSpPr txBox="1"/>
+          <p:nvPr/>
+        </p:nvSpPr>
+        <p:spPr>
+          <a:xfrm>
+            <a:off x="534670" y="698500"/>
+            <a:ext cx="2125345" cy="368300"/>
+          </a:xfrm>
+          <a:prstGeom prst="rect">
+            <a:avLst/>
+          </a:prstGeom>
+          <a:noFill/>
+        </p:spPr>
+        <p:txBody>
+          <a:bodyPr wrap="square" rtlCol="0">
+            <a:spAutoFit/>
+          </a:bodyPr>
+          <a:p>
+            <a:r>
+              <a:rPr lang="en-US" altLang="zh-CN"/>
+              <a:t>Chapter2</a:t>
+            </a:r>
+            <a:endParaRPr lang="en-US" altLang="zh-CN"/>
+          </a:p>
+        </p:txBody>
+      </p:sp>
+      <p:sp>
+        <p:nvSpPr>
+          <p:cNvPr id="2" name="文本框 1"/>
+          <p:cNvSpPr txBox="1"/>
+          <p:nvPr/>
+        </p:nvSpPr>
+        <p:spPr>
+          <a:xfrm>
+            <a:off x="643890" y="1252220"/>
+            <a:ext cx="8160385" cy="6462395"/>
+          </a:xfrm>
+          <a:prstGeom prst="rect">
+            <a:avLst/>
+          </a:prstGeom>
+          <a:noFill/>
+        </p:spPr>
+        <p:txBody>
+          <a:bodyPr wrap="square" rtlCol="0">
+            <a:spAutoFit/>
+          </a:bodyPr>
+          <a:p>
+            <a:r>
+              <a:rPr lang="zh-CN"/>
+              <a:t>开放车间问题建模：</a:t>
+            </a:r>
+            <a:endParaRPr lang="zh-CN"/>
+          </a:p>
+          <a:p>
+            <a:r>
+              <a:rPr lang="en-US" altLang="zh-CN"/>
+              <a:t>1.</a:t>
+            </a:r>
+            <a:r>
+              <a:rPr lang="zh-CN" altLang="en-US"/>
+              <a:t>先添加</a:t>
+            </a:r>
+            <a:r>
+              <a:rPr lang="en-US" altLang="zh-CN"/>
+              <a:t>m</a:t>
+            </a:r>
+            <a:r>
+              <a:rPr lang="zh-CN" altLang="en-US"/>
+              <a:t>个假的工序</a:t>
+            </a:r>
+            <a:r>
+              <a:rPr lang="en-US" altLang="zh-CN"/>
+              <a:t>J</a:t>
+            </a:r>
+            <a:r>
+              <a:rPr lang="en-US" altLang="zh-CN" baseline="-25000">
+                <a:solidFill>
+                  <a:schemeClr val="tx1"/>
+                </a:solidFill>
+                <a:uFillTx/>
+              </a:rPr>
+              <a:t>n+j</a:t>
+            </a:r>
+            <a:r>
+              <a:rPr lang="en-US" altLang="zh-CN"/>
+              <a:t>(j=1....m)</a:t>
+            </a:r>
+            <a:r>
+              <a:rPr lang="zh-CN" altLang="en-US"/>
+              <a:t>和</a:t>
+            </a:r>
+            <a:r>
+              <a:rPr lang="en-US" altLang="zh-CN"/>
+              <a:t>n</a:t>
+            </a:r>
+            <a:r>
+              <a:rPr lang="zh-CN" altLang="en-US"/>
+              <a:t>个假的机器</a:t>
+            </a:r>
+            <a:r>
+              <a:rPr lang="en-US" altLang="zh-CN"/>
+              <a:t>M</a:t>
+            </a:r>
+            <a:r>
+              <a:rPr lang="en-US" altLang="zh-CN" baseline="-25000">
+                <a:solidFill>
+                  <a:schemeClr val="tx1"/>
+                </a:solidFill>
+                <a:uFillTx/>
+              </a:rPr>
+              <a:t>m+i</a:t>
+            </a:r>
+            <a:r>
+              <a:rPr lang="en-US" altLang="zh-CN"/>
+              <a:t>(i=1...n);</a:t>
+            </a:r>
+            <a:endParaRPr lang="en-US" altLang="zh-CN"/>
+          </a:p>
+          <a:p>
+            <a:r>
+              <a:rPr lang="zh-CN" altLang="en-US"/>
+              <a:t>建立一个网络图</a:t>
+            </a:r>
+            <a:r>
+              <a:rPr lang="en-US" altLang="zh-CN"/>
+              <a:t>N</a:t>
+            </a:r>
+            <a:r>
+              <a:rPr lang="zh-CN" altLang="en-US"/>
+              <a:t>：</a:t>
+            </a:r>
+            <a:endParaRPr lang="zh-CN" altLang="en-US"/>
+          </a:p>
+          <a:p>
+            <a:pPr marL="285750" indent="-285750">
+              <a:buFont typeface="Arial" panose="020B0604020202020204" pitchFamily="34" charset="0"/>
+              <a:buChar char="•"/>
+            </a:pPr>
+            <a:r>
+              <a:rPr lang="zh-CN" altLang="en-US"/>
+              <a:t>源点</a:t>
+            </a:r>
+            <a:r>
+              <a:rPr lang="en-US" altLang="zh-CN"/>
+              <a:t>s</a:t>
+            </a:r>
+            <a:r>
+              <a:rPr lang="zh-CN" altLang="en-US"/>
+              <a:t>和终点</a:t>
+            </a:r>
+            <a:r>
+              <a:rPr lang="en-US" altLang="zh-CN"/>
+              <a:t>t</a:t>
+            </a:r>
+            <a:endParaRPr lang="en-US" altLang="zh-CN"/>
+          </a:p>
+          <a:p>
+            <a:pPr marL="285750" indent="-285750">
+              <a:buFont typeface="Arial" panose="020B0604020202020204" pitchFamily="34" charset="0"/>
+              <a:buChar char="•"/>
+            </a:pPr>
+            <a:r>
+              <a:rPr lang="zh-CN" altLang="en-US"/>
+              <a:t>工序顶点</a:t>
+            </a:r>
+            <a:r>
+              <a:rPr lang="en-US" altLang="zh-CN"/>
+              <a:t>J</a:t>
+            </a:r>
+            <a:r>
+              <a:rPr lang="en-US" altLang="zh-CN" baseline="-25000">
+                <a:solidFill>
+                  <a:schemeClr val="tx1"/>
+                </a:solidFill>
+                <a:uFillTx/>
+              </a:rPr>
+              <a:t>i</a:t>
+            </a:r>
+            <a:r>
+              <a:rPr lang="en-US" altLang="zh-CN"/>
+              <a:t>(i=1.......n+m)</a:t>
+            </a:r>
+            <a:endParaRPr lang="en-US" altLang="zh-CN"/>
+          </a:p>
+          <a:p>
+            <a:pPr marL="285750" indent="-285750">
+              <a:buFont typeface="Arial" panose="020B0604020202020204" pitchFamily="34" charset="0"/>
+              <a:buChar char="•"/>
+            </a:pPr>
+            <a:r>
+              <a:rPr lang="zh-CN" altLang="en-US"/>
+              <a:t>机器顶点</a:t>
+            </a:r>
+            <a:r>
+              <a:rPr lang="en-US" altLang="zh-CN"/>
+              <a:t>M</a:t>
+            </a:r>
+            <a:r>
+              <a:rPr lang="en-US" altLang="zh-CN" baseline="-25000">
+                <a:solidFill>
+                  <a:schemeClr val="tx1"/>
+                </a:solidFill>
+                <a:uFillTx/>
+              </a:rPr>
+              <a:t>l</a:t>
+            </a:r>
+            <a:r>
+              <a:rPr lang="en-US" altLang="zh-CN"/>
+              <a:t>(j=1.......n+m)</a:t>
+            </a:r>
+            <a:endParaRPr lang="en-US" altLang="zh-CN"/>
+          </a:p>
+          <a:p>
+            <a:pPr marL="285750" indent="-285750">
+              <a:buFont typeface="Arial" panose="020B0604020202020204" pitchFamily="34" charset="0"/>
+              <a:buChar char="•"/>
+            </a:pPr>
+            <a:endParaRPr lang="en-US" altLang="zh-CN"/>
+          </a:p>
+          <a:p>
+            <a:pPr indent="0">
+              <a:buFont typeface="Arial" panose="020B0604020202020204" pitchFamily="34" charset="0"/>
+              <a:buNone/>
+            </a:pPr>
+            <a:r>
+              <a:rPr lang="zh-CN" altLang="en-US"/>
+              <a:t>图</a:t>
+            </a:r>
+            <a:r>
+              <a:rPr lang="en-US" altLang="zh-CN"/>
+              <a:t>N</a:t>
+            </a:r>
+            <a:r>
+              <a:rPr lang="zh-CN" altLang="en-US"/>
+              <a:t>中的边：</a:t>
+            </a:r>
+            <a:endParaRPr lang="zh-CN" altLang="en-US"/>
+          </a:p>
+          <a:p>
+            <a:pPr marL="285750" indent="-285750">
+              <a:buFont typeface="Arial" panose="020B0604020202020204" pitchFamily="34" charset="0"/>
+              <a:buChar char="•"/>
+            </a:pPr>
+            <a:r>
+              <a:rPr lang="zh-CN" altLang="en-US"/>
+              <a:t>每个工序</a:t>
+            </a:r>
+            <a:r>
+              <a:rPr lang="en-US" altLang="zh-CN"/>
+              <a:t>J</a:t>
+            </a:r>
+            <a:r>
+              <a:rPr lang="en-US" altLang="zh-CN" baseline="-25000">
+                <a:solidFill>
+                  <a:schemeClr val="tx1"/>
+                </a:solidFill>
+                <a:uFillTx/>
+              </a:rPr>
+              <a:t>i</a:t>
+            </a:r>
+            <a:r>
+              <a:rPr lang="en-US" altLang="zh-CN"/>
+              <a:t>(i=1.....n+m)</a:t>
+            </a:r>
+            <a:r>
+              <a:rPr lang="zh-CN" altLang="en-US"/>
+              <a:t>的边（</a:t>
+            </a:r>
+            <a:r>
+              <a:rPr lang="en-US" altLang="zh-CN"/>
+              <a:t>s,J</a:t>
+            </a:r>
+            <a:r>
+              <a:rPr lang="en-US" altLang="zh-CN" baseline="-25000">
+                <a:solidFill>
+                  <a:schemeClr val="tx1"/>
+                </a:solidFill>
+                <a:uFillTx/>
+              </a:rPr>
+              <a:t>i</a:t>
+            </a:r>
+            <a:r>
+              <a:rPr lang="zh-CN" altLang="en-US"/>
+              <a:t>）的容量是</a:t>
+            </a:r>
+            <a:r>
+              <a:rPr lang="en-US" altLang="zh-CN"/>
+              <a:t>T</a:t>
+            </a:r>
+            <a:r>
+              <a:rPr lang="zh-CN" altLang="en-US"/>
+              <a:t>，每个机器</a:t>
+            </a:r>
+            <a:r>
+              <a:rPr lang="en-US" altLang="zh-CN"/>
+              <a:t>M</a:t>
+            </a:r>
+            <a:r>
+              <a:rPr lang="en-US" altLang="zh-CN" baseline="-25000">
+                <a:solidFill>
+                  <a:schemeClr val="tx1"/>
+                </a:solidFill>
+                <a:uFillTx/>
+              </a:rPr>
+              <a:t>j</a:t>
+            </a:r>
+            <a:r>
+              <a:rPr lang="en-US" altLang="zh-CN"/>
+              <a:t>(j=1....n+m)</a:t>
+            </a:r>
+            <a:r>
+              <a:rPr lang="zh-CN" altLang="en-US"/>
+              <a:t>的边（</a:t>
+            </a:r>
+            <a:r>
+              <a:rPr lang="en-US" altLang="zh-CN"/>
+              <a:t>M</a:t>
+            </a:r>
+            <a:r>
+              <a:rPr lang="en-US" altLang="zh-CN" baseline="-25000">
+                <a:solidFill>
+                  <a:schemeClr val="tx1"/>
+                </a:solidFill>
+                <a:uFillTx/>
+              </a:rPr>
+              <a:t>j</a:t>
+            </a:r>
+            <a:r>
+              <a:rPr lang="en-US" altLang="zh-CN"/>
+              <a:t>,t</a:t>
+            </a:r>
+            <a:r>
+              <a:rPr lang="zh-CN" altLang="en-US"/>
+              <a:t>）的容量也是</a:t>
+            </a:r>
+            <a:r>
+              <a:rPr lang="en-US" altLang="zh-CN"/>
+              <a:t>T</a:t>
+            </a:r>
+            <a:endParaRPr lang="en-US" altLang="zh-CN"/>
+          </a:p>
+          <a:p>
+            <a:pPr marL="285750" indent="-285750">
+              <a:buFont typeface="Arial" panose="020B0604020202020204" pitchFamily="34" charset="0"/>
+              <a:buChar char="•"/>
+            </a:pPr>
+            <a:r>
+              <a:rPr lang="zh-CN" altLang="en-US"/>
+              <a:t>对于每个工序</a:t>
+            </a:r>
+            <a:r>
+              <a:rPr lang="en-US" altLang="zh-CN"/>
+              <a:t>J</a:t>
+            </a:r>
+            <a:r>
+              <a:rPr lang="en-US" altLang="zh-CN" baseline="-25000">
+                <a:solidFill>
+                  <a:schemeClr val="tx1"/>
+                </a:solidFill>
+                <a:uFillTx/>
+              </a:rPr>
+              <a:t>i</a:t>
+            </a:r>
+            <a:r>
+              <a:rPr lang="en-US" altLang="zh-CN"/>
+              <a:t>(i=1.....n)</a:t>
+            </a:r>
+            <a:r>
+              <a:rPr lang="zh-CN" altLang="en-US"/>
+              <a:t>和每个机器</a:t>
+            </a:r>
+            <a:r>
+              <a:rPr lang="en-US" altLang="zh-CN"/>
+              <a:t>M</a:t>
+            </a:r>
+            <a:r>
+              <a:rPr lang="en-US" altLang="zh-CN" baseline="-25000">
+                <a:solidFill>
+                  <a:schemeClr val="tx1"/>
+                </a:solidFill>
+                <a:uFillTx/>
+              </a:rPr>
+              <a:t>j</a:t>
+            </a:r>
+            <a:r>
+              <a:rPr lang="en-US" altLang="zh-CN"/>
+              <a:t>(j=1....m)</a:t>
+            </a:r>
+            <a:r>
+              <a:rPr lang="zh-CN" altLang="en-US"/>
+              <a:t>如果处理时间</a:t>
+            </a:r>
+            <a:r>
+              <a:rPr lang="en-US" altLang="zh-CN"/>
+              <a:t>P</a:t>
+            </a:r>
+            <a:r>
+              <a:rPr lang="en-US" altLang="zh-CN" baseline="-25000">
+                <a:solidFill>
+                  <a:schemeClr val="tx1"/>
+                </a:solidFill>
+                <a:uFillTx/>
+              </a:rPr>
+              <a:t>ij</a:t>
+            </a:r>
+            <a:r>
+              <a:rPr lang="en-US" altLang="zh-CN"/>
+              <a:t>&gt;0</a:t>
+            </a:r>
+            <a:r>
+              <a:rPr lang="zh-CN" altLang="en-US"/>
+              <a:t>那么边（</a:t>
+            </a:r>
+            <a:r>
+              <a:rPr lang="en-US" altLang="zh-CN"/>
+              <a:t>J</a:t>
+            </a:r>
+            <a:r>
+              <a:rPr lang="en-US" altLang="zh-CN" baseline="-25000">
+                <a:solidFill>
+                  <a:schemeClr val="tx1"/>
+                </a:solidFill>
+                <a:uFillTx/>
+              </a:rPr>
+              <a:t>i</a:t>
+            </a:r>
+            <a:r>
+              <a:rPr lang="en-US" altLang="zh-CN"/>
+              <a:t>,M</a:t>
+            </a:r>
+            <a:r>
+              <a:rPr lang="en-US" altLang="zh-CN" baseline="-25000">
+                <a:solidFill>
+                  <a:schemeClr val="tx1"/>
+                </a:solidFill>
+                <a:uFillTx/>
+              </a:rPr>
+              <a:t>j</a:t>
+            </a:r>
+            <a:r>
+              <a:rPr lang="zh-CN" altLang="en-US"/>
+              <a:t>）的容量为</a:t>
+            </a:r>
+            <a:r>
+              <a:rPr lang="en-US" altLang="zh-CN"/>
+              <a:t>P</a:t>
+            </a:r>
+            <a:r>
+              <a:rPr lang="en-US" altLang="zh-CN" baseline="-25000">
+                <a:solidFill>
+                  <a:schemeClr val="tx1"/>
+                </a:solidFill>
+                <a:uFillTx/>
+              </a:rPr>
+              <a:t>ij</a:t>
+            </a:r>
+            <a:endParaRPr lang="en-US" altLang="zh-CN"/>
+          </a:p>
+          <a:p>
+            <a:pPr marL="285750" indent="-285750">
+              <a:buFont typeface="Arial" panose="020B0604020202020204" pitchFamily="34" charset="0"/>
+              <a:buChar char="•"/>
+            </a:pPr>
+            <a:r>
+              <a:rPr lang="en-US" altLang="zh-CN"/>
+              <a:t>i=1....n</a:t>
+            </a:r>
+            <a:r>
+              <a:rPr lang="zh-CN" altLang="en-US"/>
+              <a:t>如果</a:t>
+            </a:r>
+            <a:r>
+              <a:rPr lang="en-US" altLang="zh-CN"/>
+              <a:t>T-L</a:t>
+            </a:r>
+            <a:r>
+              <a:rPr lang="en-US" altLang="zh-CN" baseline="-25000">
+                <a:solidFill>
+                  <a:schemeClr val="tx1"/>
+                </a:solidFill>
+                <a:uFillTx/>
+              </a:rPr>
+              <a:t>i</a:t>
+            </a:r>
+            <a:r>
+              <a:rPr lang="en-US" altLang="zh-CN"/>
+              <a:t>&gt;0</a:t>
+            </a:r>
+            <a:r>
+              <a:rPr lang="zh-CN" altLang="en-US"/>
+              <a:t>，那么链接工序</a:t>
+            </a:r>
+            <a:r>
+              <a:rPr lang="en-US" altLang="zh-CN"/>
+              <a:t>Ji</a:t>
+            </a:r>
+            <a:r>
+              <a:rPr lang="zh-CN" altLang="en-US"/>
+              <a:t>和机器</a:t>
+            </a:r>
+            <a:r>
+              <a:rPr lang="en-US" altLang="zh-CN"/>
+              <a:t>M</a:t>
+            </a:r>
+            <a:r>
+              <a:rPr lang="en-US" altLang="zh-CN" baseline="-25000">
+                <a:solidFill>
+                  <a:schemeClr val="tx1"/>
+                </a:solidFill>
+                <a:uFillTx/>
+              </a:rPr>
+              <a:t>m+i</a:t>
+            </a:r>
+            <a:r>
+              <a:rPr lang="zh-CN" altLang="en-US"/>
+              <a:t>的</a:t>
+            </a:r>
+            <a:r>
+              <a:rPr lang="en-US" altLang="zh-CN"/>
+              <a:t> </a:t>
+            </a:r>
+            <a:r>
+              <a:rPr lang="zh-CN" altLang="en-US"/>
+              <a:t>边（</a:t>
+            </a:r>
+            <a:r>
+              <a:rPr lang="en-US" altLang="zh-CN"/>
+              <a:t>J</a:t>
+            </a:r>
+            <a:r>
+              <a:rPr lang="en-US" altLang="zh-CN" baseline="-25000">
+                <a:solidFill>
+                  <a:schemeClr val="tx1"/>
+                </a:solidFill>
+                <a:uFillTx/>
+              </a:rPr>
+              <a:t>i</a:t>
+            </a:r>
+            <a:r>
+              <a:rPr lang="en-US" altLang="zh-CN"/>
+              <a:t>,M</a:t>
+            </a:r>
+            <a:r>
+              <a:rPr lang="en-US" altLang="zh-CN" baseline="-25000">
+                <a:solidFill>
+                  <a:schemeClr val="tx1"/>
+                </a:solidFill>
+                <a:uFillTx/>
+              </a:rPr>
+              <a:t>m+i</a:t>
+            </a:r>
+            <a:r>
+              <a:rPr lang="zh-CN" altLang="en-US"/>
+              <a:t>）的容量是</a:t>
+            </a:r>
+            <a:r>
+              <a:rPr lang="en-US" altLang="zh-CN"/>
+              <a:t>T-Li</a:t>
+            </a:r>
+            <a:endParaRPr lang="en-US" altLang="zh-CN"/>
+          </a:p>
+          <a:p>
+            <a:pPr marL="285750" indent="-285750">
+              <a:buFont typeface="Arial" panose="020B0604020202020204" pitchFamily="34" charset="0"/>
+              <a:buChar char="•"/>
+            </a:pPr>
+            <a:r>
+              <a:rPr lang="en-US" altLang="zh-CN"/>
+              <a:t>j=1.....m</a:t>
+            </a:r>
+            <a:r>
+              <a:rPr lang="zh-CN" altLang="en-US"/>
+              <a:t>，如果</a:t>
+            </a:r>
+            <a:r>
+              <a:rPr lang="en-US" altLang="zh-CN"/>
+              <a:t>T-T</a:t>
+            </a:r>
+            <a:r>
+              <a:rPr lang="en-US" altLang="zh-CN" baseline="-25000">
+                <a:solidFill>
+                  <a:schemeClr val="tx1"/>
+                </a:solidFill>
+                <a:uFillTx/>
+              </a:rPr>
+              <a:t>j</a:t>
+            </a:r>
+            <a:r>
+              <a:rPr lang="en-US" altLang="zh-CN"/>
+              <a:t>&gt;0</a:t>
+            </a:r>
+            <a:r>
+              <a:rPr lang="zh-CN" altLang="en-US"/>
+              <a:t>，那么连接工序</a:t>
+            </a:r>
+            <a:r>
+              <a:rPr lang="en-US" altLang="zh-CN"/>
+              <a:t>J</a:t>
+            </a:r>
+            <a:r>
+              <a:rPr lang="en-US" altLang="zh-CN" baseline="-25000">
+                <a:solidFill>
+                  <a:schemeClr val="tx1"/>
+                </a:solidFill>
+                <a:uFillTx/>
+              </a:rPr>
+              <a:t>n+j</a:t>
+            </a:r>
+            <a:r>
+              <a:rPr lang="zh-CN" altLang="en-US"/>
+              <a:t>和机器</a:t>
+            </a:r>
+            <a:r>
+              <a:rPr lang="en-US" altLang="zh-CN"/>
+              <a:t>Mj</a:t>
+            </a:r>
+            <a:r>
+              <a:rPr lang="zh-CN" altLang="en-US"/>
+              <a:t>的边的容量是</a:t>
+            </a:r>
+            <a:r>
+              <a:rPr lang="en-US" altLang="zh-CN"/>
+              <a:t>T-Tj</a:t>
+            </a:r>
+            <a:endParaRPr lang="en-US" altLang="zh-CN"/>
+          </a:p>
+          <a:p>
+            <a:endParaRPr lang="en-US" altLang="zh-CN"/>
+          </a:p>
+          <a:p>
+            <a:endParaRPr lang="en-US" altLang="zh-CN"/>
+          </a:p>
+          <a:p>
+            <a:endParaRPr lang="en-US" altLang="zh-CN"/>
+          </a:p>
+          <a:p>
+            <a:endParaRPr lang="en-US" altLang="zh-CN"/>
+          </a:p>
+          <a:p>
+            <a:endParaRPr lang="en-US" altLang="zh-CN"/>
+          </a:p>
+          <a:p>
+            <a:endParaRPr lang="en-US" altLang="zh-CN"/>
+          </a:p>
+          <a:p>
+            <a:endParaRPr lang="en-US" altLang="zh-CN"/>
+          </a:p>
+          <a:p>
+            <a:endParaRPr lang="en-US" altLang="zh-CN"/>
+          </a:p>
+          <a:p>
+            <a:endParaRPr lang="en-US" altLang="zh-CN"/>
+          </a:p>
+        </p:txBody>
+      </p:sp>
+    </p:spTree>
+  </p:cSld>
+  <p:clrMapOvr>
+    <a:masterClrMapping/>
+  </p:clrMapOvr>
+</p:sld>
+</file>
+
+<file path=ppt/slides/slide17.xml><?xml version="1.0" encoding="utf-8"?>
+<p:sld xmlns:a="http://schemas.openxmlformats.org/drawingml/2006/main" xmlns:r="http://schemas.openxmlformats.org/officeDocument/2006/relationships" xmlns:p="http://schemas.openxmlformats.org/presentationml/2006/main">
+  <p:cSld>
+    <p:spTree>
+      <p:nvGrpSpPr>
+        <p:cNvPr id="1" name=""/>
+        <p:cNvGrpSpPr/>
+        <p:nvPr/>
+      </p:nvGrpSpPr>
+      <p:grpSpPr>
+        <a:xfrm>
+          <a:off x="0" y="0"/>
+          <a:ext cx="0" cy="0"/>
+          <a:chOff x="0" y="0"/>
+          <a:chExt cx="0" cy="0"/>
+        </a:xfrm>
+      </p:grpSpPr>
+      <p:sp>
+        <p:nvSpPr>
+          <p:cNvPr id="6" name="文本框 5"/>
+          <p:cNvSpPr txBox="1"/>
+          <p:nvPr/>
+        </p:nvSpPr>
+        <p:spPr>
+          <a:xfrm>
+            <a:off x="534670" y="698500"/>
+            <a:ext cx="2125345" cy="368300"/>
+          </a:xfrm>
+          <a:prstGeom prst="rect">
+            <a:avLst/>
+          </a:prstGeom>
+          <a:noFill/>
+        </p:spPr>
+        <p:txBody>
+          <a:bodyPr wrap="square" rtlCol="0">
+            <a:spAutoFit/>
+          </a:bodyPr>
+          <a:p>
+            <a:r>
+              <a:rPr lang="en-US" altLang="zh-CN"/>
+              <a:t>Chapter2</a:t>
+            </a:r>
+            <a:endParaRPr lang="en-US" altLang="zh-CN"/>
+          </a:p>
+        </p:txBody>
+      </p:sp>
+      <p:sp>
+        <p:nvSpPr>
+          <p:cNvPr id="2" name="文本框 1"/>
+          <p:cNvSpPr txBox="1"/>
+          <p:nvPr/>
+        </p:nvSpPr>
+        <p:spPr>
+          <a:xfrm>
+            <a:off x="643890" y="1252220"/>
+            <a:ext cx="8160385" cy="5354320"/>
+          </a:xfrm>
+          <a:prstGeom prst="rect">
+            <a:avLst/>
+          </a:prstGeom>
+          <a:noFill/>
+        </p:spPr>
+        <p:txBody>
+          <a:bodyPr wrap="square" rtlCol="0">
+            <a:spAutoFit/>
+          </a:bodyPr>
+          <a:p>
+            <a:r>
+              <a:rPr lang="zh-CN"/>
+              <a:t>开放车间问题建模：</a:t>
+            </a:r>
+            <a:endParaRPr lang="zh-CN"/>
+          </a:p>
+          <a:p>
+            <a:endParaRPr lang="zh-CN"/>
+          </a:p>
+          <a:p>
+            <a:endParaRPr lang="zh-CN"/>
+          </a:p>
+          <a:p>
+            <a:endParaRPr lang="zh-CN"/>
+          </a:p>
+          <a:p>
+            <a:endParaRPr lang="zh-CN"/>
+          </a:p>
+          <a:p>
+            <a:endParaRPr lang="zh-CN"/>
+          </a:p>
+          <a:p>
+            <a:endParaRPr lang="zh-CN"/>
+          </a:p>
+          <a:p>
+            <a:endParaRPr lang="zh-CN"/>
+          </a:p>
+          <a:p>
+            <a:endParaRPr lang="zh-CN"/>
+          </a:p>
+          <a:p>
+            <a:endParaRPr lang="zh-CN"/>
+          </a:p>
+          <a:p>
+            <a:endParaRPr lang="zh-CN"/>
+          </a:p>
+          <a:p>
+            <a:endParaRPr lang="zh-CN"/>
+          </a:p>
+          <a:p>
+            <a:endParaRPr lang="en-US" altLang="zh-CN"/>
+          </a:p>
+          <a:p>
+            <a:endParaRPr lang="en-US" altLang="zh-CN"/>
+          </a:p>
+          <a:p>
+            <a:endParaRPr lang="en-US" altLang="zh-CN"/>
+          </a:p>
+          <a:p>
+            <a:endParaRPr lang="en-US" altLang="zh-CN"/>
+          </a:p>
+          <a:p>
+            <a:endParaRPr lang="en-US" altLang="zh-CN"/>
+          </a:p>
+          <a:p>
+            <a:endParaRPr lang="en-US" altLang="zh-CN"/>
+          </a:p>
+          <a:p>
+            <a:endParaRPr lang="en-US" altLang="zh-CN"/>
+          </a:p>
+        </p:txBody>
+      </p:sp>
+      <p:pic>
+        <p:nvPicPr>
+          <p:cNvPr id="3" name="图片 2"/>
+          <p:cNvPicPr>
+            <a:picLocks noChangeAspect="1"/>
+          </p:cNvPicPr>
+          <p:nvPr/>
+        </p:nvPicPr>
+        <p:blipFill>
+          <a:blip r:embed="rId1"/>
+          <a:stretch>
+            <a:fillRect/>
+          </a:stretch>
+        </p:blipFill>
+        <p:spPr>
+          <a:xfrm>
+            <a:off x="643890" y="1647190"/>
+            <a:ext cx="5305425" cy="4067175"/>
+          </a:xfrm>
+          <a:prstGeom prst="rect">
+            <a:avLst/>
+          </a:prstGeom>
+        </p:spPr>
+      </p:pic>
+    </p:spTree>
+  </p:cSld>
+  <p:clrMapOvr>
+    <a:masterClrMapping/>
+  </p:clrMapOvr>
+</p:sld>
+</file>
+
+<file path=ppt/slides/slide18.xml><?xml version="1.0" encoding="utf-8"?>
 <p:sld xmlns:a="http://schemas.openxmlformats.org/drawingml/2006/main" xmlns:r="http://schemas.openxmlformats.org/officeDocument/2006/relationships" xmlns:p="http://schemas.openxmlformats.org/presentationml/2006/main">
   <p:cSld>
     <p:spTree>

--- a/ppt/Scheduling Algorithms.pptx
+++ b/ppt/Scheduling Algorithms.pptx
@@ -25,7 +25,9 @@
     <p:sldId id="335" r:id="rId18"/>
     <p:sldId id="336" r:id="rId19"/>
     <p:sldId id="337" r:id="rId20"/>
-    <p:sldId id="276" r:id="rId21"/>
+    <p:sldId id="339" r:id="rId21"/>
+    <p:sldId id="340" r:id="rId22"/>
+    <p:sldId id="276" r:id="rId23"/>
   </p:sldIdLst>
   <p:sldSz cx="9144000" cy="6858000" type="screen4x3"/>
   <p:notesSz cx="6858000" cy="9144000"/>
@@ -690,6 +692,94 @@
 </file>
 
 <file path=ppt/notesSlides/notesSlide12.xml><?xml version="1.0" encoding="utf-8"?>
+<p:notes xmlns:a="http://schemas.openxmlformats.org/drawingml/2006/main" xmlns:r="http://schemas.openxmlformats.org/officeDocument/2006/relationships" xmlns:p="http://schemas.openxmlformats.org/presentationml/2006/main">
+  <p:cSld>
+    <p:spTree>
+      <p:nvGrpSpPr>
+        <p:cNvPr id="1" name=""/>
+        <p:cNvGrpSpPr/>
+        <p:nvPr/>
+      </p:nvGrpSpPr>
+      <p:grpSpPr/>
+      <p:sp>
+        <p:nvSpPr>
+          <p:cNvPr id="2" name="幻灯片图像占位符 1"/>
+          <p:cNvSpPr/>
+          <p:nvPr>
+            <p:ph type="sldImg" idx="2"/>
+          </p:nvPr>
+        </p:nvSpPr>
+        <p:spPr/>
+      </p:sp>
+      <p:sp>
+        <p:nvSpPr>
+          <p:cNvPr id="3" name="文本占位符 2"/>
+          <p:cNvSpPr/>
+          <p:nvPr>
+            <p:ph type="body" idx="3"/>
+          </p:nvPr>
+        </p:nvSpPr>
+        <p:spPr/>
+        <p:txBody>
+          <a:bodyPr/>
+          <a:p>
+            <a:endParaRPr lang="zh-CN" altLang="en-US"/>
+          </a:p>
+        </p:txBody>
+      </p:sp>
+    </p:spTree>
+  </p:cSld>
+  <p:clrMapOvr>
+    <a:masterClrMapping/>
+  </p:clrMapOvr>
+</p:notes>
+</file>
+
+<file path=ppt/notesSlides/notesSlide13.xml><?xml version="1.0" encoding="utf-8"?>
+<p:notes xmlns:a="http://schemas.openxmlformats.org/drawingml/2006/main" xmlns:r="http://schemas.openxmlformats.org/officeDocument/2006/relationships" xmlns:p="http://schemas.openxmlformats.org/presentationml/2006/main">
+  <p:cSld>
+    <p:spTree>
+      <p:nvGrpSpPr>
+        <p:cNvPr id="1" name=""/>
+        <p:cNvGrpSpPr/>
+        <p:nvPr/>
+      </p:nvGrpSpPr>
+      <p:grpSpPr/>
+      <p:sp>
+        <p:nvSpPr>
+          <p:cNvPr id="2" name="幻灯片图像占位符 1"/>
+          <p:cNvSpPr/>
+          <p:nvPr>
+            <p:ph type="sldImg" idx="2"/>
+          </p:nvPr>
+        </p:nvSpPr>
+        <p:spPr/>
+      </p:sp>
+      <p:sp>
+        <p:nvSpPr>
+          <p:cNvPr id="3" name="文本占位符 2"/>
+          <p:cNvSpPr/>
+          <p:nvPr>
+            <p:ph type="body" idx="3"/>
+          </p:nvPr>
+        </p:nvSpPr>
+        <p:spPr/>
+        <p:txBody>
+          <a:bodyPr/>
+          <a:p>
+            <a:endParaRPr lang="zh-CN" altLang="en-US"/>
+          </a:p>
+        </p:txBody>
+      </p:sp>
+    </p:spTree>
+  </p:cSld>
+  <p:clrMapOvr>
+    <a:masterClrMapping/>
+  </p:clrMapOvr>
+</p:notes>
+</file>
+
+<file path=ppt/notesSlides/notesSlide14.xml><?xml version="1.0" encoding="utf-8"?>
 <p:notes xmlns:a="http://schemas.openxmlformats.org/drawingml/2006/main" xmlns:r="http://schemas.openxmlformats.org/officeDocument/2006/relationships" xmlns:p="http://schemas.openxmlformats.org/presentationml/2006/main">
   <p:cSld>
     <p:spTree>
@@ -6483,6 +6573,566 @@
       </p:grpSpPr>
       <p:sp>
         <p:nvSpPr>
+          <p:cNvPr id="6" name="文本框 5"/>
+          <p:cNvSpPr txBox="1"/>
+          <p:nvPr/>
+        </p:nvSpPr>
+        <p:spPr>
+          <a:xfrm>
+            <a:off x="534670" y="698500"/>
+            <a:ext cx="2125345" cy="368300"/>
+          </a:xfrm>
+          <a:prstGeom prst="rect">
+            <a:avLst/>
+          </a:prstGeom>
+          <a:noFill/>
+        </p:spPr>
+        <p:txBody>
+          <a:bodyPr wrap="square" rtlCol="0">
+            <a:spAutoFit/>
+          </a:bodyPr>
+          <a:p>
+            <a:r>
+              <a:rPr lang="en-US" altLang="zh-CN"/>
+              <a:t>Chapter2</a:t>
+            </a:r>
+            <a:endParaRPr lang="en-US" altLang="zh-CN"/>
+          </a:p>
+        </p:txBody>
+      </p:sp>
+      <p:sp>
+        <p:nvSpPr>
+          <p:cNvPr id="2" name="文本框 1"/>
+          <p:cNvSpPr txBox="1"/>
+          <p:nvPr/>
+        </p:nvSpPr>
+        <p:spPr>
+          <a:xfrm>
+            <a:off x="534670" y="1267460"/>
+            <a:ext cx="8160385" cy="6185535"/>
+          </a:xfrm>
+          <a:prstGeom prst="rect">
+            <a:avLst/>
+          </a:prstGeom>
+          <a:noFill/>
+        </p:spPr>
+        <p:txBody>
+          <a:bodyPr wrap="square" rtlCol="0">
+            <a:spAutoFit/>
+          </a:bodyPr>
+          <a:p>
+            <a:r>
+              <a:rPr lang="zh-CN"/>
+              <a:t>分配问题：</a:t>
+            </a:r>
+            <a:endParaRPr lang="zh-CN"/>
+          </a:p>
+          <a:p>
+            <a:endParaRPr lang="zh-CN"/>
+          </a:p>
+          <a:p>
+            <a:endParaRPr lang="zh-CN"/>
+          </a:p>
+          <a:p>
+            <a:endParaRPr lang="zh-CN"/>
+          </a:p>
+          <a:p>
+            <a:endParaRPr lang="zh-CN"/>
+          </a:p>
+          <a:p>
+            <a:endParaRPr lang="zh-CN"/>
+          </a:p>
+          <a:p>
+            <a:endParaRPr lang="zh-CN"/>
+          </a:p>
+          <a:p>
+            <a:endParaRPr lang="zh-CN"/>
+          </a:p>
+          <a:p>
+            <a:endParaRPr lang="zh-CN"/>
+          </a:p>
+          <a:p>
+            <a:endParaRPr lang="zh-CN"/>
+          </a:p>
+          <a:p>
+            <a:endParaRPr lang="zh-CN"/>
+          </a:p>
+          <a:p>
+            <a:endParaRPr lang="zh-CN"/>
+          </a:p>
+          <a:p>
+            <a:r>
+              <a:rPr lang="zh-CN"/>
+              <a:t>如果</a:t>
+            </a:r>
+            <a:r>
+              <a:rPr lang="en-US" altLang="zh-CN"/>
+              <a:t>vi</a:t>
+            </a:r>
+            <a:r>
+              <a:rPr lang="zh-CN" altLang="en-US"/>
+              <a:t>分配给了</a:t>
+            </a:r>
+            <a:r>
+              <a:rPr lang="en-US" altLang="zh-CN"/>
+              <a:t>wj</a:t>
+            </a:r>
+            <a:r>
+              <a:rPr lang="zh-CN" altLang="en-US"/>
+              <a:t>那么</a:t>
+            </a:r>
+            <a:r>
+              <a:rPr lang="en-US" altLang="zh-CN"/>
+              <a:t>Xij=1,</a:t>
+            </a:r>
+            <a:r>
+              <a:rPr lang="zh-CN" altLang="en-US"/>
+              <a:t>如果增加一个入边一个出边，那么分配问题就好变为一个运输问题。</a:t>
+            </a:r>
+            <a:endParaRPr lang="zh-CN"/>
+          </a:p>
+          <a:p>
+            <a:endParaRPr lang="zh-CN"/>
+          </a:p>
+          <a:p>
+            <a:endParaRPr lang="en-US" altLang="zh-CN"/>
+          </a:p>
+          <a:p>
+            <a:endParaRPr lang="en-US" altLang="zh-CN"/>
+          </a:p>
+          <a:p>
+            <a:endParaRPr lang="en-US" altLang="zh-CN"/>
+          </a:p>
+          <a:p>
+            <a:endParaRPr lang="en-US" altLang="zh-CN"/>
+          </a:p>
+          <a:p>
+            <a:endParaRPr lang="en-US" altLang="zh-CN"/>
+          </a:p>
+          <a:p>
+            <a:endParaRPr lang="en-US" altLang="zh-CN"/>
+          </a:p>
+          <a:p>
+            <a:endParaRPr lang="en-US" altLang="zh-CN"/>
+          </a:p>
+        </p:txBody>
+      </p:sp>
+      <p:pic>
+        <p:nvPicPr>
+          <p:cNvPr id="4" name="图片 3"/>
+          <p:cNvPicPr>
+            <a:picLocks noChangeAspect="1"/>
+          </p:cNvPicPr>
+          <p:nvPr/>
+        </p:nvPicPr>
+        <p:blipFill>
+          <a:blip r:embed="rId1"/>
+          <a:stretch>
+            <a:fillRect/>
+          </a:stretch>
+        </p:blipFill>
+        <p:spPr>
+          <a:xfrm>
+            <a:off x="879475" y="1860550"/>
+            <a:ext cx="5314315" cy="2085975"/>
+          </a:xfrm>
+          <a:prstGeom prst="rect">
+            <a:avLst/>
+          </a:prstGeom>
+        </p:spPr>
+      </p:pic>
+      <p:pic>
+        <p:nvPicPr>
+          <p:cNvPr id="5" name="图片 4"/>
+          <p:cNvPicPr>
+            <a:picLocks noChangeAspect="1"/>
+          </p:cNvPicPr>
+          <p:nvPr/>
+        </p:nvPicPr>
+        <p:blipFill>
+          <a:blip r:embed="rId1"/>
+          <a:stretch>
+            <a:fillRect/>
+          </a:stretch>
+        </p:blipFill>
+        <p:spPr>
+          <a:xfrm>
+            <a:off x="1914525" y="2385695"/>
+            <a:ext cx="5314315" cy="2085975"/>
+          </a:xfrm>
+          <a:prstGeom prst="rect">
+            <a:avLst/>
+          </a:prstGeom>
+        </p:spPr>
+      </p:pic>
+    </p:spTree>
+  </p:cSld>
+  <p:clrMapOvr>
+    <a:masterClrMapping/>
+  </p:clrMapOvr>
+</p:sld>
+</file>
+
+<file path=ppt/slides/slide19.xml><?xml version="1.0" encoding="utf-8"?>
+<p:sld xmlns:a="http://schemas.openxmlformats.org/drawingml/2006/main" xmlns:r="http://schemas.openxmlformats.org/officeDocument/2006/relationships" xmlns:p="http://schemas.openxmlformats.org/presentationml/2006/main">
+  <p:cSld>
+    <p:spTree>
+      <p:nvGrpSpPr>
+        <p:cNvPr id="1" name=""/>
+        <p:cNvGrpSpPr/>
+        <p:nvPr/>
+      </p:nvGrpSpPr>
+      <p:grpSpPr>
+        <a:xfrm>
+          <a:off x="0" y="0"/>
+          <a:ext cx="0" cy="0"/>
+          <a:chOff x="0" y="0"/>
+          <a:chExt cx="0" cy="0"/>
+        </a:xfrm>
+      </p:grpSpPr>
+      <p:sp>
+        <p:nvSpPr>
+          <p:cNvPr id="6" name="文本框 5"/>
+          <p:cNvSpPr txBox="1"/>
+          <p:nvPr/>
+        </p:nvSpPr>
+        <p:spPr>
+          <a:xfrm>
+            <a:off x="534670" y="698500"/>
+            <a:ext cx="2125345" cy="368300"/>
+          </a:xfrm>
+          <a:prstGeom prst="rect">
+            <a:avLst/>
+          </a:prstGeom>
+          <a:noFill/>
+        </p:spPr>
+        <p:txBody>
+          <a:bodyPr wrap="square" rtlCol="0">
+            <a:spAutoFit/>
+          </a:bodyPr>
+          <a:p>
+            <a:r>
+              <a:rPr lang="en-US" altLang="zh-CN"/>
+              <a:t>Chapter2</a:t>
+            </a:r>
+            <a:endParaRPr lang="en-US" altLang="zh-CN"/>
+          </a:p>
+        </p:txBody>
+      </p:sp>
+      <p:sp>
+        <p:nvSpPr>
+          <p:cNvPr id="2" name="文本框 1"/>
+          <p:cNvSpPr txBox="1"/>
+          <p:nvPr/>
+        </p:nvSpPr>
+        <p:spPr>
+          <a:xfrm>
+            <a:off x="534670" y="1267460"/>
+            <a:ext cx="8160385" cy="6185535"/>
+          </a:xfrm>
+          <a:prstGeom prst="rect">
+            <a:avLst/>
+          </a:prstGeom>
+          <a:noFill/>
+        </p:spPr>
+        <p:txBody>
+          <a:bodyPr wrap="square" rtlCol="0">
+            <a:spAutoFit/>
+          </a:bodyPr>
+          <a:p>
+            <a:r>
+              <a:rPr lang="zh-CN"/>
+              <a:t>分配问题：</a:t>
+            </a:r>
+            <a:endParaRPr lang="zh-CN"/>
+          </a:p>
+          <a:p>
+            <a:r>
+              <a:rPr lang="zh-CN"/>
+              <a:t>单位处理时间的单机问题可以认为是分配问题</a:t>
+            </a:r>
+            <a:endParaRPr lang="zh-CN"/>
+          </a:p>
+          <a:p>
+            <a:endParaRPr lang="zh-CN"/>
+          </a:p>
+          <a:p>
+            <a:endParaRPr lang="zh-CN"/>
+          </a:p>
+          <a:p>
+            <a:r>
+              <a:rPr lang="en-US" altLang="zh-CN"/>
+              <a:t>f</a:t>
+            </a:r>
+            <a:r>
+              <a:rPr lang="en-US" altLang="zh-CN" baseline="-25000">
+                <a:solidFill>
+                  <a:schemeClr val="tx1"/>
+                </a:solidFill>
+                <a:uFillTx/>
+              </a:rPr>
+              <a:t>i</a:t>
+            </a:r>
+            <a:r>
+              <a:rPr lang="zh-CN" altLang="en-US"/>
+              <a:t>是工序</a:t>
+            </a:r>
+            <a:r>
+              <a:rPr lang="en-US" altLang="zh-CN"/>
+              <a:t>i</a:t>
+            </a:r>
+            <a:r>
+              <a:rPr lang="zh-CN" altLang="en-US"/>
+              <a:t>的完成时间的单调函数。如果我们将时间</a:t>
+            </a:r>
+            <a:r>
+              <a:rPr lang="en-US" altLang="zh-CN"/>
+              <a:t>t</a:t>
+            </a:r>
+            <a:r>
+              <a:rPr lang="zh-CN" altLang="en-US"/>
+              <a:t>分配给工序</a:t>
+            </a:r>
+            <a:r>
+              <a:rPr lang="en-US" altLang="zh-CN"/>
+              <a:t>i,</a:t>
+            </a:r>
+            <a:r>
+              <a:rPr lang="zh-CN" altLang="en-US"/>
+              <a:t>那么相应的成本是</a:t>
+            </a:r>
+            <a:r>
+              <a:rPr lang="en-US" altLang="zh-CN"/>
+              <a:t>f</a:t>
+            </a:r>
+            <a:r>
+              <a:rPr lang="en-US" altLang="zh-CN" baseline="-25000">
+                <a:solidFill>
+                  <a:schemeClr val="tx1"/>
+                </a:solidFill>
+                <a:uFillTx/>
+              </a:rPr>
+              <a:t>i</a:t>
+            </a:r>
+            <a:r>
+              <a:rPr lang="en-US" altLang="zh-CN"/>
+              <a:t>(t+1)</a:t>
+            </a:r>
+            <a:endParaRPr lang="zh-CN"/>
+          </a:p>
+          <a:p>
+            <a:r>
+              <a:rPr lang="zh-CN"/>
+              <a:t>时间复杂度为</a:t>
+            </a:r>
+            <a:r>
+              <a:rPr lang="en-US" altLang="zh-CN"/>
+              <a:t>O</a:t>
+            </a:r>
+            <a:r>
+              <a:rPr lang="zh-CN" altLang="en-US"/>
+              <a:t>（</a:t>
+            </a:r>
+            <a:r>
+              <a:rPr lang="en-US" altLang="zh-CN"/>
+              <a:t>n</a:t>
+            </a:r>
+            <a:r>
+              <a:rPr lang="en-US" altLang="zh-CN" baseline="30000">
+                <a:solidFill>
+                  <a:schemeClr val="tx1"/>
+                </a:solidFill>
+                <a:uFillTx/>
+              </a:rPr>
+              <a:t>3</a:t>
+            </a:r>
+            <a:r>
+              <a:rPr lang="zh-CN" altLang="en-US"/>
+              <a:t>）</a:t>
+            </a:r>
+            <a:endParaRPr lang="zh-CN"/>
+          </a:p>
+          <a:p>
+            <a:endParaRPr lang="zh-CN"/>
+          </a:p>
+          <a:p>
+            <a:endParaRPr lang="zh-CN"/>
+          </a:p>
+          <a:p>
+            <a:endParaRPr lang="zh-CN"/>
+          </a:p>
+          <a:p>
+            <a:endParaRPr lang="zh-CN"/>
+          </a:p>
+          <a:p>
+            <a:endParaRPr lang="zh-CN"/>
+          </a:p>
+          <a:p>
+            <a:endParaRPr lang="zh-CN"/>
+          </a:p>
+          <a:p>
+            <a:endParaRPr lang="zh-CN"/>
+          </a:p>
+          <a:p>
+            <a:endParaRPr lang="zh-CN"/>
+          </a:p>
+          <a:p>
+            <a:endParaRPr lang="en-US" altLang="zh-CN"/>
+          </a:p>
+          <a:p>
+            <a:endParaRPr lang="en-US" altLang="zh-CN"/>
+          </a:p>
+          <a:p>
+            <a:endParaRPr lang="en-US" altLang="zh-CN"/>
+          </a:p>
+          <a:p>
+            <a:endParaRPr lang="en-US" altLang="zh-CN"/>
+          </a:p>
+          <a:p>
+            <a:endParaRPr lang="en-US" altLang="zh-CN"/>
+          </a:p>
+          <a:p>
+            <a:endParaRPr lang="en-US" altLang="zh-CN"/>
+          </a:p>
+          <a:p>
+            <a:endParaRPr lang="en-US" altLang="zh-CN"/>
+          </a:p>
+        </p:txBody>
+      </p:sp>
+      <p:pic>
+        <p:nvPicPr>
+          <p:cNvPr id="3" name="图片 2"/>
+          <p:cNvPicPr>
+            <a:picLocks noChangeAspect="1"/>
+          </p:cNvPicPr>
+          <p:nvPr/>
+        </p:nvPicPr>
+        <p:blipFill>
+          <a:blip r:embed="rId1"/>
+          <a:stretch>
+            <a:fillRect/>
+          </a:stretch>
+        </p:blipFill>
+        <p:spPr>
+          <a:xfrm>
+            <a:off x="659130" y="1963420"/>
+            <a:ext cx="1876425" cy="428625"/>
+          </a:xfrm>
+          <a:prstGeom prst="rect">
+            <a:avLst/>
+          </a:prstGeom>
+        </p:spPr>
+      </p:pic>
+    </p:spTree>
+  </p:cSld>
+  <p:clrMapOvr>
+    <a:masterClrMapping/>
+  </p:clrMapOvr>
+</p:sld>
+</file>
+
+<file path=ppt/slides/slide2.xml><?xml version="1.0" encoding="utf-8"?>
+<p:sld xmlns:a="http://schemas.openxmlformats.org/drawingml/2006/main" xmlns:r="http://schemas.openxmlformats.org/officeDocument/2006/relationships" xmlns:p="http://schemas.openxmlformats.org/presentationml/2006/main">
+  <p:cSld>
+    <p:spTree>
+      <p:nvGrpSpPr>
+        <p:cNvPr id="1" name=""/>
+        <p:cNvGrpSpPr/>
+        <p:nvPr/>
+      </p:nvGrpSpPr>
+      <p:grpSpPr>
+        <a:xfrm>
+          <a:off x="0" y="0"/>
+          <a:ext cx="0" cy="0"/>
+          <a:chOff x="0" y="0"/>
+          <a:chExt cx="0" cy="0"/>
+        </a:xfrm>
+      </p:grpSpPr>
+      <p:sp>
+        <p:nvSpPr>
+          <p:cNvPr id="5" name="文本框 4"/>
+          <p:cNvSpPr txBox="1"/>
+          <p:nvPr/>
+        </p:nvSpPr>
+        <p:spPr>
+          <a:xfrm>
+            <a:off x="351155" y="2992755"/>
+            <a:ext cx="8638540" cy="645160"/>
+          </a:xfrm>
+          <a:prstGeom prst="rect">
+            <a:avLst/>
+          </a:prstGeom>
+          <a:noFill/>
+        </p:spPr>
+        <p:txBody>
+          <a:bodyPr wrap="square" rtlCol="0">
+            <a:spAutoFit/>
+          </a:bodyPr>
+          <a:p>
+            <a:r>
+              <a:rPr lang="en-US" altLang="zh-CN" sz="3600" b="1"/>
+              <a:t>Classfication  of Scheduling Problems</a:t>
+            </a:r>
+            <a:endParaRPr lang="en-US" altLang="zh-CN" sz="3600" b="1"/>
+          </a:p>
+        </p:txBody>
+      </p:sp>
+      <p:sp>
+        <p:nvSpPr>
+          <p:cNvPr id="6" name="文本框 5"/>
+          <p:cNvSpPr txBox="1"/>
+          <p:nvPr/>
+        </p:nvSpPr>
+        <p:spPr>
+          <a:xfrm>
+            <a:off x="534670" y="698500"/>
+            <a:ext cx="2125345" cy="368300"/>
+          </a:xfrm>
+          <a:prstGeom prst="rect">
+            <a:avLst/>
+          </a:prstGeom>
+          <a:noFill/>
+        </p:spPr>
+        <p:txBody>
+          <a:bodyPr wrap="square" rtlCol="0">
+            <a:spAutoFit/>
+          </a:bodyPr>
+          <a:p>
+            <a:r>
+              <a:rPr lang="en-US" altLang="zh-CN"/>
+              <a:t>Chapter1</a:t>
+            </a:r>
+            <a:endParaRPr lang="en-US" altLang="zh-CN"/>
+          </a:p>
+        </p:txBody>
+      </p:sp>
+    </p:spTree>
+  </p:cSld>
+  <p:clrMapOvr>
+    <a:masterClrMapping/>
+  </p:clrMapOvr>
+</p:sld>
+</file>
+
+<file path=ppt/slides/slide20.xml><?xml version="1.0" encoding="utf-8"?>
+<p:sld xmlns:a="http://schemas.openxmlformats.org/drawingml/2006/main" xmlns:r="http://schemas.openxmlformats.org/officeDocument/2006/relationships" xmlns:p="http://schemas.openxmlformats.org/presentationml/2006/main">
+  <p:cSld>
+    <p:spTree>
+      <p:nvGrpSpPr>
+        <p:cNvPr id="1" name=""/>
+        <p:cNvGrpSpPr/>
+        <p:nvPr/>
+      </p:nvGrpSpPr>
+      <p:grpSpPr>
+        <a:xfrm>
+          <a:off x="0" y="0"/>
+          <a:ext cx="0" cy="0"/>
+          <a:chOff x="0" y="0"/>
+          <a:chExt cx="0" cy="0"/>
+        </a:xfrm>
+      </p:grpSpPr>
+      <p:sp>
+        <p:nvSpPr>
           <p:cNvPr id="5" name="矩形 4"/>
           <p:cNvSpPr/>
           <p:nvPr/>
@@ -6585,89 +7235,6 @@
       </p:par>
     </p:tnLst>
   </p:timing>
-</p:sld>
-</file>
-
-<file path=ppt/slides/slide2.xml><?xml version="1.0" encoding="utf-8"?>
-<p:sld xmlns:a="http://schemas.openxmlformats.org/drawingml/2006/main" xmlns:r="http://schemas.openxmlformats.org/officeDocument/2006/relationships" xmlns:p="http://schemas.openxmlformats.org/presentationml/2006/main">
-  <p:cSld>
-    <p:spTree>
-      <p:nvGrpSpPr>
-        <p:cNvPr id="1" name=""/>
-        <p:cNvGrpSpPr/>
-        <p:nvPr/>
-      </p:nvGrpSpPr>
-      <p:grpSpPr>
-        <a:xfrm>
-          <a:off x="0" y="0"/>
-          <a:ext cx="0" cy="0"/>
-          <a:chOff x="0" y="0"/>
-          <a:chExt cx="0" cy="0"/>
-        </a:xfrm>
-      </p:grpSpPr>
-      <p:sp>
-        <p:nvSpPr>
-          <p:cNvPr id="5" name="文本框 4"/>
-          <p:cNvSpPr txBox="1"/>
-          <p:nvPr/>
-        </p:nvSpPr>
-        <p:spPr>
-          <a:xfrm>
-            <a:off x="351155" y="2992755"/>
-            <a:ext cx="8638540" cy="645160"/>
-          </a:xfrm>
-          <a:prstGeom prst="rect">
-            <a:avLst/>
-          </a:prstGeom>
-          <a:noFill/>
-        </p:spPr>
-        <p:txBody>
-          <a:bodyPr wrap="square" rtlCol="0">
-            <a:spAutoFit/>
-          </a:bodyPr>
-          <a:p>
-            <a:r>
-              <a:rPr lang="en-US" altLang="zh-CN" sz="3600" b="1"/>
-              <a:t>Classfication  of Scheduling Problems</a:t>
-            </a:r>
-            <a:endParaRPr lang="en-US" altLang="zh-CN" sz="3600" b="1"/>
-          </a:p>
-        </p:txBody>
-      </p:sp>
-      <p:sp>
-        <p:nvSpPr>
-          <p:cNvPr id="6" name="文本框 5"/>
-          <p:cNvSpPr txBox="1"/>
-          <p:nvPr/>
-        </p:nvSpPr>
-        <p:spPr>
-          <a:xfrm>
-            <a:off x="534670" y="698500"/>
-            <a:ext cx="2125345" cy="368300"/>
-          </a:xfrm>
-          <a:prstGeom prst="rect">
-            <a:avLst/>
-          </a:prstGeom>
-          <a:noFill/>
-        </p:spPr>
-        <p:txBody>
-          <a:bodyPr wrap="square" rtlCol="0">
-            <a:spAutoFit/>
-          </a:bodyPr>
-          <a:p>
-            <a:r>
-              <a:rPr lang="en-US" altLang="zh-CN"/>
-              <a:t>Chapter1</a:t>
-            </a:r>
-            <a:endParaRPr lang="en-US" altLang="zh-CN"/>
-          </a:p>
-        </p:txBody>
-      </p:sp>
-    </p:spTree>
-  </p:cSld>
-  <p:clrMapOvr>
-    <a:masterClrMapping/>
-  </p:clrMapOvr>
 </p:sld>
 </file>
 
